--- a/Final Submission/i.mobilothon4.0_round2.pptx
+++ b/Final Submission/i.mobilothon4.0_round2.pptx
@@ -7327,7 +7327,12 @@
             <a:fillRect/>
           </a:stretch>
         </p:blipFill>
-        <p:spPr/>
+        <p:spPr>
+          <a:xfrm>
+            <a:off x="1746126" y="1722675"/>
+            <a:ext cx="1185300" cy="1185300"/>
+          </a:xfrm>
+        </p:spPr>
       </p:pic>
       <p:pic>
         <p:nvPicPr>
@@ -7380,7 +7385,7 @@
         </p:blipFill>
         <p:spPr>
           <a:xfrm>
-            <a:off x="6149013" y="1722675"/>
+            <a:off x="6352213" y="1722675"/>
             <a:ext cx="1185300" cy="1185300"/>
           </a:xfrm>
         </p:spPr>
